--- a/Presentation Samanway.pptx
+++ b/Presentation Samanway.pptx
@@ -841,7 +841,7 @@
           <a:p>
             <a:fld id="{052DC574-6F83-4F46-8E9F-D297D49B3189}" type="datetimeFigureOut">
               <a:rPr lang="en-US" smtClean="0"/>
-              <a:t>16-Sep-19</a:t>
+              <a:t>9/16/2019</a:t>
             </a:fld>
             <a:endParaRPr lang="en-US"/>
           </a:p>
@@ -1092,7 +1092,7 @@
           <a:p>
             <a:fld id="{052DC574-6F83-4F46-8E9F-D297D49B3189}" type="datetimeFigureOut">
               <a:rPr lang="en-US" smtClean="0"/>
-              <a:t>16-Sep-19</a:t>
+              <a:t>9/16/2019</a:t>
             </a:fld>
             <a:endParaRPr lang="en-US"/>
           </a:p>
@@ -1406,7 +1406,7 @@
           <a:p>
             <a:fld id="{052DC574-6F83-4F46-8E9F-D297D49B3189}" type="datetimeFigureOut">
               <a:rPr lang="en-US" smtClean="0"/>
-              <a:t>16-Sep-19</a:t>
+              <a:t>9/16/2019</a:t>
             </a:fld>
             <a:endParaRPr lang="en-US"/>
           </a:p>
@@ -1747,7 +1747,7 @@
           <a:p>
             <a:fld id="{052DC574-6F83-4F46-8E9F-D297D49B3189}" type="datetimeFigureOut">
               <a:rPr lang="en-US" smtClean="0"/>
-              <a:t>16-Sep-19</a:t>
+              <a:t>9/16/2019</a:t>
             </a:fld>
             <a:endParaRPr lang="en-US"/>
           </a:p>
@@ -2061,7 +2061,7 @@
           <a:p>
             <a:fld id="{052DC574-6F83-4F46-8E9F-D297D49B3189}" type="datetimeFigureOut">
               <a:rPr lang="en-US" smtClean="0"/>
-              <a:t>16-Sep-19</a:t>
+              <a:t>9/16/2019</a:t>
             </a:fld>
             <a:endParaRPr lang="en-US"/>
           </a:p>
@@ -2454,7 +2454,7 @@
           <a:p>
             <a:fld id="{052DC574-6F83-4F46-8E9F-D297D49B3189}" type="datetimeFigureOut">
               <a:rPr lang="en-US" smtClean="0"/>
-              <a:t>16-Sep-19</a:t>
+              <a:t>9/16/2019</a:t>
             </a:fld>
             <a:endParaRPr lang="en-US"/>
           </a:p>
@@ -2624,7 +2624,7 @@
           <a:p>
             <a:fld id="{052DC574-6F83-4F46-8E9F-D297D49B3189}" type="datetimeFigureOut">
               <a:rPr lang="en-US" smtClean="0"/>
-              <a:t>16-Sep-19</a:t>
+              <a:t>9/16/2019</a:t>
             </a:fld>
             <a:endParaRPr lang="en-US"/>
           </a:p>
@@ -2804,7 +2804,7 @@
           <a:p>
             <a:fld id="{052DC574-6F83-4F46-8E9F-D297D49B3189}" type="datetimeFigureOut">
               <a:rPr lang="en-US" smtClean="0"/>
-              <a:t>16-Sep-19</a:t>
+              <a:t>9/16/2019</a:t>
             </a:fld>
             <a:endParaRPr lang="en-US"/>
           </a:p>
@@ -2980,7 +2980,7 @@
           <a:p>
             <a:fld id="{052DC574-6F83-4F46-8E9F-D297D49B3189}" type="datetimeFigureOut">
               <a:rPr lang="en-US" smtClean="0"/>
-              <a:t>16-Sep-19</a:t>
+              <a:t>9/16/2019</a:t>
             </a:fld>
             <a:endParaRPr lang="en-US"/>
           </a:p>
@@ -3227,7 +3227,7 @@
           <a:p>
             <a:fld id="{052DC574-6F83-4F46-8E9F-D297D49B3189}" type="datetimeFigureOut">
               <a:rPr lang="en-US" smtClean="0"/>
-              <a:t>16-Sep-19</a:t>
+              <a:t>9/16/2019</a:t>
             </a:fld>
             <a:endParaRPr lang="en-US"/>
           </a:p>
@@ -3459,7 +3459,7 @@
           <a:p>
             <a:fld id="{052DC574-6F83-4F46-8E9F-D297D49B3189}" type="datetimeFigureOut">
               <a:rPr lang="en-US" smtClean="0"/>
-              <a:t>16-Sep-19</a:t>
+              <a:t>9/16/2019</a:t>
             </a:fld>
             <a:endParaRPr lang="en-US"/>
           </a:p>
@@ -3833,7 +3833,7 @@
           <a:p>
             <a:fld id="{052DC574-6F83-4F46-8E9F-D297D49B3189}" type="datetimeFigureOut">
               <a:rPr lang="en-US" smtClean="0"/>
-              <a:t>16-Sep-19</a:t>
+              <a:t>9/16/2019</a:t>
             </a:fld>
             <a:endParaRPr lang="en-US"/>
           </a:p>
@@ -3956,7 +3956,7 @@
           <a:p>
             <a:fld id="{052DC574-6F83-4F46-8E9F-D297D49B3189}" type="datetimeFigureOut">
               <a:rPr lang="en-US" smtClean="0"/>
-              <a:t>16-Sep-19</a:t>
+              <a:t>9/16/2019</a:t>
             </a:fld>
             <a:endParaRPr lang="en-US"/>
           </a:p>
@@ -4051,7 +4051,7 @@
           <a:p>
             <a:fld id="{052DC574-6F83-4F46-8E9F-D297D49B3189}" type="datetimeFigureOut">
               <a:rPr lang="en-US" smtClean="0"/>
-              <a:t>16-Sep-19</a:t>
+              <a:t>9/16/2019</a:t>
             </a:fld>
             <a:endParaRPr lang="en-US"/>
           </a:p>
@@ -4306,7 +4306,7 @@
           <a:p>
             <a:fld id="{052DC574-6F83-4F46-8E9F-D297D49B3189}" type="datetimeFigureOut">
               <a:rPr lang="en-US" smtClean="0"/>
-              <a:t>16-Sep-19</a:t>
+              <a:t>9/16/2019</a:t>
             </a:fld>
             <a:endParaRPr lang="en-US"/>
           </a:p>
@@ -4569,7 +4569,7 @@
           <a:p>
             <a:fld id="{052DC574-6F83-4F46-8E9F-D297D49B3189}" type="datetimeFigureOut">
               <a:rPr lang="en-US" smtClean="0"/>
-              <a:t>16-Sep-19</a:t>
+              <a:t>9/16/2019</a:t>
             </a:fld>
             <a:endParaRPr lang="en-US"/>
           </a:p>
@@ -5312,7 +5312,7 @@
           <a:p>
             <a:fld id="{052DC574-6F83-4F46-8E9F-D297D49B3189}" type="datetimeFigureOut">
               <a:rPr lang="en-US" smtClean="0"/>
-              <a:t>16-Sep-19</a:t>
+              <a:t>9/16/2019</a:t>
             </a:fld>
             <a:endParaRPr lang="en-US"/>
           </a:p>
@@ -5889,21 +5889,21 @@
           <a:p>
             <a:pPr algn="l"/>
             <a:r>
-              <a:rPr lang="en-US" sz="2400" b="1" dirty="0" smtClean="0">
+              <a:rPr lang="en-US" sz="2400" b="1" u="sng" dirty="0" smtClean="0">
                 <a:latin typeface="Times New Roman" panose="02020603050405020304" pitchFamily="18" charset="0"/>
                 <a:cs typeface="Times New Roman" panose="02020603050405020304" pitchFamily="18" charset="0"/>
               </a:rPr>
               <a:t>Developed by </a:t>
             </a:r>
             <a:r>
-              <a:rPr lang="en-US" sz="2400" b="1" dirty="0">
+              <a:rPr lang="en-US" sz="2400" b="1" u="sng" dirty="0">
                 <a:latin typeface="Times New Roman" panose="02020603050405020304" pitchFamily="18" charset="0"/>
                 <a:cs typeface="Times New Roman" panose="02020603050405020304" pitchFamily="18" charset="0"/>
               </a:rPr>
               <a:t>Team </a:t>
             </a:r>
             <a:r>
-              <a:rPr lang="en-US" sz="2400" b="1" dirty="0" smtClean="0">
+              <a:rPr lang="en-US" sz="2400" b="1" u="sng" dirty="0" smtClean="0">
                 <a:latin typeface="Times New Roman" panose="02020603050405020304" pitchFamily="18" charset="0"/>
                 <a:cs typeface="Times New Roman" panose="02020603050405020304" pitchFamily="18" charset="0"/>
               </a:rPr>
@@ -5965,22 +5965,49 @@
                 <a:latin typeface="Times New Roman" panose="02020603050405020304" pitchFamily="18" charset="0"/>
                 <a:cs typeface="Times New Roman" panose="02020603050405020304" pitchFamily="18" charset="0"/>
               </a:rPr>
-              <a:t>Ayush Soni</a:t>
-            </a:r>
-          </a:p>
-          <a:p>
-            <a:pPr algn="l"/>
+              <a:t>Ayush </a:t>
+            </a:r>
             <a:r>
               <a:rPr lang="en-US" sz="2400" b="1" dirty="0" smtClean="0">
                 <a:latin typeface="Times New Roman" panose="02020603050405020304" pitchFamily="18" charset="0"/>
                 <a:cs typeface="Times New Roman" panose="02020603050405020304" pitchFamily="18" charset="0"/>
               </a:rPr>
-              <a:t>Samanway Sahoo</a:t>
-            </a:r>
-            <a:endParaRPr lang="en-US" sz="2400" b="1" dirty="0">
+              <a:t>Soni</a:t>
+            </a:r>
+            <a:endParaRPr lang="en-US" sz="2400" b="1" dirty="0" smtClean="0">
               <a:latin typeface="Times New Roman" panose="02020603050405020304" pitchFamily="18" charset="0"/>
               <a:cs typeface="Times New Roman" panose="02020603050405020304" pitchFamily="18" charset="0"/>
             </a:endParaRPr>
+          </a:p>
+        </p:txBody>
+      </p:sp>
+      <p:sp>
+        <p:nvSpPr>
+          <p:cNvPr id="5" name="TextBox 4"/>
+          <p:cNvSpPr txBox="1"/>
+          <p:nvPr/>
+        </p:nvSpPr>
+        <p:spPr>
+          <a:xfrm>
+            <a:off x="5008729" y="6073254"/>
+            <a:ext cx="4640240" cy="400110"/>
+          </a:xfrm>
+          <a:prstGeom prst="rect">
+            <a:avLst/>
+          </a:prstGeom>
+          <a:noFill/>
+        </p:spPr>
+        <p:txBody>
+          <a:bodyPr wrap="square" rtlCol="0">
+            <a:spAutoFit/>
+          </a:bodyPr>
+          <a:lstStyle/>
+          <a:p>
+            <a:r>
+              <a:rPr lang="en-US" sz="2000" b="1" dirty="0" smtClean="0"/>
+              <a:t>Presented By  - Samanway Sahoo</a:t>
+            </a:r>
+            <a:endParaRPr lang="en-IN" sz="2000" b="1" dirty="0"/>
           </a:p>
         </p:txBody>
       </p:sp>
@@ -6336,15 +6363,7 @@
             </a:pPr>
             <a:r>
               <a:rPr lang="en-US" sz="2000" dirty="0"/>
-              <a:t>1) I can Issue </a:t>
-            </a:r>
-            <a:r>
-              <a:rPr lang="en-US" sz="2000" dirty="0" err="1"/>
-              <a:t>Cheque</a:t>
-            </a:r>
-            <a:r>
-              <a:rPr lang="en-US" sz="2000" dirty="0"/>
-              <a:t> Books</a:t>
+              <a:t>1) I can Issue Cheque Books</a:t>
             </a:r>
           </a:p>
           <a:p>
@@ -6436,7 +6455,6 @@
               <a:rPr lang="en-US" sz="2000" dirty="0"/>
               <a:t>3) Login is 2 factor-verified.</a:t>
             </a:r>
-            <a:endParaRPr lang="en-US" sz="2000" dirty="0"/>
           </a:p>
         </p:txBody>
       </p:sp>

--- a/Presentation Samanway.pptx
+++ b/Presentation Samanway.pptx
@@ -5965,19 +5965,8 @@
                 <a:latin typeface="Times New Roman" panose="02020603050405020304" pitchFamily="18" charset="0"/>
                 <a:cs typeface="Times New Roman" panose="02020603050405020304" pitchFamily="18" charset="0"/>
               </a:rPr>
-              <a:t>Ayush </a:t>
-            </a:r>
-            <a:r>
-              <a:rPr lang="en-US" sz="2400" b="1" dirty="0" smtClean="0">
-                <a:latin typeface="Times New Roman" panose="02020603050405020304" pitchFamily="18" charset="0"/>
-                <a:cs typeface="Times New Roman" panose="02020603050405020304" pitchFamily="18" charset="0"/>
-              </a:rPr>
-              <a:t>Soni</a:t>
-            </a:r>
-            <a:endParaRPr lang="en-US" sz="2400" b="1" dirty="0" smtClean="0">
-              <a:latin typeface="Times New Roman" panose="02020603050405020304" pitchFamily="18" charset="0"/>
-              <a:cs typeface="Times New Roman" panose="02020603050405020304" pitchFamily="18" charset="0"/>
-            </a:endParaRPr>
+              <a:t>Ayush Soni</a:t>
+            </a:r>
           </a:p>
         </p:txBody>
       </p:sp>
@@ -6518,7 +6507,7 @@
       </p:sp>
       <p:pic>
         <p:nvPicPr>
-          <p:cNvPr id="8" name="Picture 7"/>
+          <p:cNvPr id="3" name="Picture 2"/>
           <p:cNvPicPr>
             <a:picLocks noChangeAspect="1"/>
           </p:cNvPicPr>
@@ -6538,8 +6527,8 @@
         </p:blipFill>
         <p:spPr>
           <a:xfrm>
-            <a:off x="2200119" y="660400"/>
-            <a:ext cx="6645349" cy="6858000"/>
+            <a:off x="2343293" y="660400"/>
+            <a:ext cx="6554115" cy="5734850"/>
           </a:xfrm>
           <a:prstGeom prst="rect">
             <a:avLst/>

--- a/Presentation Samanway.pptx
+++ b/Presentation Samanway.pptx
@@ -6,9 +6,9 @@
   </p:sldMasterIdLst>
   <p:sldIdLst>
     <p:sldId id="256" r:id="rId2"/>
-    <p:sldId id="259" r:id="rId3"/>
-    <p:sldId id="263" r:id="rId4"/>
-    <p:sldId id="257" r:id="rId5"/>
+    <p:sldId id="257" r:id="rId3"/>
+    <p:sldId id="259" r:id="rId4"/>
+    <p:sldId id="263" r:id="rId5"/>
     <p:sldId id="260" r:id="rId6"/>
     <p:sldId id="261" r:id="rId7"/>
     <p:sldId id="262" r:id="rId8"/>
@@ -5878,7 +5878,7 @@
         <p:spPr>
           <a:xfrm>
             <a:off x="1588954" y="2781591"/>
-            <a:ext cx="7766936" cy="1096899"/>
+            <a:ext cx="7766936" cy="3018708"/>
           </a:xfrm>
         </p:spPr>
         <p:txBody>
@@ -5965,8 +5965,29 @@
                 <a:latin typeface="Times New Roman" panose="02020603050405020304" pitchFamily="18" charset="0"/>
                 <a:cs typeface="Times New Roman" panose="02020603050405020304" pitchFamily="18" charset="0"/>
               </a:rPr>
-              <a:t>Ayush Soni</a:t>
-            </a:r>
+              <a:t>Ayush </a:t>
+            </a:r>
+            <a:r>
+              <a:rPr lang="en-US" sz="2400" b="1" dirty="0" smtClean="0">
+                <a:latin typeface="Times New Roman" panose="02020603050405020304" pitchFamily="18" charset="0"/>
+                <a:cs typeface="Times New Roman" panose="02020603050405020304" pitchFamily="18" charset="0"/>
+              </a:rPr>
+              <a:t>Soni</a:t>
+            </a:r>
+          </a:p>
+          <a:p>
+            <a:pPr algn="l"/>
+            <a:r>
+              <a:rPr lang="en-US" sz="2400" b="1" dirty="0" smtClean="0">
+                <a:latin typeface="Times New Roman" panose="02020603050405020304" pitchFamily="18" charset="0"/>
+                <a:cs typeface="Times New Roman" panose="02020603050405020304" pitchFamily="18" charset="0"/>
+              </a:rPr>
+              <a:t>Samanway Sahoo</a:t>
+            </a:r>
+            <a:endParaRPr lang="en-US" sz="2400" b="1" dirty="0" smtClean="0">
+              <a:latin typeface="Times New Roman" panose="02020603050405020304" pitchFamily="18" charset="0"/>
+              <a:cs typeface="Times New Roman" panose="02020603050405020304" pitchFamily="18" charset="0"/>
+            </a:endParaRPr>
           </a:p>
         </p:txBody>
       </p:sp>
@@ -6014,6 +6035,208 @@
 </file>
 
 <file path=ppt/slides/slide2.xml><?xml version="1.0" encoding="utf-8"?>
+<p:sld xmlns:a="http://schemas.openxmlformats.org/drawingml/2006/main" xmlns:r="http://schemas.openxmlformats.org/officeDocument/2006/relationships" xmlns:p="http://schemas.openxmlformats.org/presentationml/2006/main">
+  <p:cSld>
+    <p:spTree>
+      <p:nvGrpSpPr>
+        <p:cNvPr id="1" name=""/>
+        <p:cNvGrpSpPr/>
+        <p:nvPr/>
+      </p:nvGrpSpPr>
+      <p:grpSpPr>
+        <a:xfrm>
+          <a:off x="0" y="0"/>
+          <a:ext cx="0" cy="0"/>
+          <a:chOff x="0" y="0"/>
+          <a:chExt cx="0" cy="0"/>
+        </a:xfrm>
+      </p:grpSpPr>
+      <p:sp>
+        <p:nvSpPr>
+          <p:cNvPr id="2" name="Title 1"/>
+          <p:cNvSpPr>
+            <a:spLocks noGrp="1"/>
+          </p:cNvSpPr>
+          <p:nvPr>
+            <p:ph type="title"/>
+          </p:nvPr>
+        </p:nvSpPr>
+        <p:spPr/>
+        <p:txBody>
+          <a:bodyPr/>
+          <a:lstStyle/>
+          <a:p>
+            <a:r>
+              <a:rPr lang="en-US" dirty="0" smtClean="0"/>
+              <a:t>EPIC and User Stories</a:t>
+            </a:r>
+            <a:endParaRPr lang="en-US" dirty="0"/>
+          </a:p>
+        </p:txBody>
+      </p:sp>
+      <p:sp>
+        <p:nvSpPr>
+          <p:cNvPr id="3" name="Content Placeholder 2"/>
+          <p:cNvSpPr>
+            <a:spLocks noGrp="1"/>
+          </p:cNvSpPr>
+          <p:nvPr>
+            <p:ph idx="1"/>
+          </p:nvPr>
+        </p:nvSpPr>
+        <p:spPr>
+          <a:xfrm>
+            <a:off x="431673" y="1546440"/>
+            <a:ext cx="11646595" cy="5086372"/>
+          </a:xfrm>
+        </p:spPr>
+        <p:txBody>
+          <a:bodyPr>
+            <a:noAutofit/>
+          </a:bodyPr>
+          <a:lstStyle/>
+          <a:p>
+            <a:r>
+              <a:rPr lang="en-US" sz="2000" b="1" dirty="0"/>
+              <a:t>EPIC </a:t>
+            </a:r>
+            <a:r>
+              <a:rPr lang="en-US" sz="2000" b="1" dirty="0" smtClean="0"/>
+              <a:t>: </a:t>
+            </a:r>
+            <a:r>
+              <a:rPr lang="en-US" sz="2000" b="1" dirty="0"/>
+              <a:t>Develop Utility Management Functionality</a:t>
+            </a:r>
+          </a:p>
+          <a:p>
+            <a:pPr marL="0" indent="0">
+              <a:buNone/>
+            </a:pPr>
+            <a:r>
+              <a:rPr lang="en-US" sz="2000" b="1" dirty="0"/>
+              <a:t>User Story 1: </a:t>
+            </a:r>
+            <a:r>
+              <a:rPr lang="en-US" sz="2000" dirty="0"/>
+              <a:t>As a bank employee I want to have access to utilities, so that:</a:t>
+            </a:r>
+          </a:p>
+          <a:p>
+            <a:pPr marL="0" indent="0">
+              <a:buNone/>
+            </a:pPr>
+            <a:r>
+              <a:rPr lang="en-US" sz="2000" dirty="0"/>
+              <a:t>1) I can Issue Cheque Books</a:t>
+            </a:r>
+          </a:p>
+          <a:p>
+            <a:pPr marL="0" indent="0">
+              <a:buNone/>
+            </a:pPr>
+            <a:r>
+              <a:rPr lang="en-US" sz="2000" dirty="0"/>
+              <a:t>2) I can Issue/Block Credit Cards</a:t>
+            </a:r>
+          </a:p>
+          <a:p>
+            <a:pPr marL="0" indent="0">
+              <a:buNone/>
+            </a:pPr>
+            <a:r>
+              <a:rPr lang="en-US" sz="2000" dirty="0"/>
+              <a:t>3) I can Issue/Block Debit </a:t>
+            </a:r>
+            <a:r>
+              <a:rPr lang="en-US" sz="2000" dirty="0" smtClean="0"/>
+              <a:t>Cards</a:t>
+            </a:r>
+          </a:p>
+          <a:p>
+            <a:pPr marL="0" indent="0">
+              <a:buNone/>
+            </a:pPr>
+            <a:endParaRPr lang="en-US" sz="2000" dirty="0"/>
+          </a:p>
+          <a:p>
+            <a:r>
+              <a:rPr lang="en-US" sz="2000" b="1" dirty="0"/>
+              <a:t>EPIC </a:t>
+            </a:r>
+            <a:r>
+              <a:rPr lang="en-US" sz="2000" b="1" dirty="0" smtClean="0"/>
+              <a:t>: </a:t>
+            </a:r>
+            <a:r>
+              <a:rPr lang="en-US" sz="2000" b="1" dirty="0"/>
+              <a:t>Develop Employee Dashboard</a:t>
+            </a:r>
+          </a:p>
+          <a:p>
+            <a:pPr marL="0" indent="0">
+              <a:buNone/>
+            </a:pPr>
+            <a:r>
+              <a:rPr lang="en-US" sz="2000" b="1" dirty="0"/>
+              <a:t>User Story 1: </a:t>
+            </a:r>
+            <a:r>
+              <a:rPr lang="en-US" sz="2000" dirty="0"/>
+              <a:t>As a bank employee i want to be able to access the Account Management, </a:t>
+            </a:r>
+            <a:r>
+              <a:rPr lang="en-US" sz="2000" dirty="0" smtClean="0"/>
+              <a:t>Transaction Management</a:t>
+            </a:r>
+            <a:r>
+              <a:rPr lang="en-US" sz="2000" dirty="0"/>
+              <a:t>, Loan Management, Utility Management, Passbook Management, so that:</a:t>
+            </a:r>
+          </a:p>
+          <a:p>
+            <a:pPr marL="0" indent="0">
+              <a:buNone/>
+            </a:pPr>
+            <a:r>
+              <a:rPr lang="en-US" sz="2000" dirty="0"/>
+              <a:t>1) All functionalities are easily accessible and every activity is logged in an encrypted way</a:t>
+            </a:r>
+          </a:p>
+          <a:p>
+            <a:pPr marL="0" indent="0">
+              <a:buNone/>
+            </a:pPr>
+            <a:r>
+              <a:rPr lang="en-US" sz="2000" dirty="0"/>
+              <a:t>2) Delay is not more than 15 seconds.</a:t>
+            </a:r>
+          </a:p>
+          <a:p>
+            <a:pPr marL="0" indent="0">
+              <a:buNone/>
+            </a:pPr>
+            <a:r>
+              <a:rPr lang="en-US" sz="2000" dirty="0"/>
+              <a:t>3) Login is 2 factor-verified.</a:t>
+            </a:r>
+          </a:p>
+        </p:txBody>
+      </p:sp>
+    </p:spTree>
+    <p:extLst>
+      <p:ext uri="{BB962C8B-B14F-4D97-AF65-F5344CB8AC3E}">
+        <p14:creationId xmlns:p14="http://schemas.microsoft.com/office/powerpoint/2010/main" val="143284455"/>
+      </p:ext>
+    </p:extLst>
+  </p:cSld>
+  <p:clrMapOvr>
+    <a:masterClrMapping/>
+  </p:clrMapOvr>
+</p:sld>
+</file>
+
+<file path=ppt/slides/slide3.xml><?xml version="1.0" encoding="utf-8"?>
 <p:sld xmlns:a="http://schemas.openxmlformats.org/drawingml/2006/main" xmlns:r="http://schemas.openxmlformats.org/officeDocument/2006/relationships" xmlns:p="http://schemas.openxmlformats.org/presentationml/2006/main">
   <p:cSld>
     <p:spTree>
@@ -6127,7 +6350,7 @@
 </p:sld>
 </file>
 
-<file path=ppt/slides/slide3.xml><?xml version="1.0" encoding="utf-8"?>
+<file path=ppt/slides/slide4.xml><?xml version="1.0" encoding="utf-8"?>
 <p:sld xmlns:a="http://schemas.openxmlformats.org/drawingml/2006/main" xmlns:r="http://schemas.openxmlformats.org/officeDocument/2006/relationships" xmlns:p="http://schemas.openxmlformats.org/presentationml/2006/main">
   <p:cSld>
     <p:spTree>
@@ -6249,208 +6472,6 @@
     <p:extLst>
       <p:ext uri="{BB962C8B-B14F-4D97-AF65-F5344CB8AC3E}">
         <p14:creationId xmlns:p14="http://schemas.microsoft.com/office/powerpoint/2010/main" val="798511978"/>
-      </p:ext>
-    </p:extLst>
-  </p:cSld>
-  <p:clrMapOvr>
-    <a:masterClrMapping/>
-  </p:clrMapOvr>
-</p:sld>
-</file>
-
-<file path=ppt/slides/slide4.xml><?xml version="1.0" encoding="utf-8"?>
-<p:sld xmlns:a="http://schemas.openxmlformats.org/drawingml/2006/main" xmlns:r="http://schemas.openxmlformats.org/officeDocument/2006/relationships" xmlns:p="http://schemas.openxmlformats.org/presentationml/2006/main">
-  <p:cSld>
-    <p:spTree>
-      <p:nvGrpSpPr>
-        <p:cNvPr id="1" name=""/>
-        <p:cNvGrpSpPr/>
-        <p:nvPr/>
-      </p:nvGrpSpPr>
-      <p:grpSpPr>
-        <a:xfrm>
-          <a:off x="0" y="0"/>
-          <a:ext cx="0" cy="0"/>
-          <a:chOff x="0" y="0"/>
-          <a:chExt cx="0" cy="0"/>
-        </a:xfrm>
-      </p:grpSpPr>
-      <p:sp>
-        <p:nvSpPr>
-          <p:cNvPr id="2" name="Title 1"/>
-          <p:cNvSpPr>
-            <a:spLocks noGrp="1"/>
-          </p:cNvSpPr>
-          <p:nvPr>
-            <p:ph type="title"/>
-          </p:nvPr>
-        </p:nvSpPr>
-        <p:spPr/>
-        <p:txBody>
-          <a:bodyPr/>
-          <a:lstStyle/>
-          <a:p>
-            <a:r>
-              <a:rPr lang="en-US" dirty="0" smtClean="0"/>
-              <a:t>EPIC and User Stories</a:t>
-            </a:r>
-            <a:endParaRPr lang="en-US" dirty="0"/>
-          </a:p>
-        </p:txBody>
-      </p:sp>
-      <p:sp>
-        <p:nvSpPr>
-          <p:cNvPr id="3" name="Content Placeholder 2"/>
-          <p:cNvSpPr>
-            <a:spLocks noGrp="1"/>
-          </p:cNvSpPr>
-          <p:nvPr>
-            <p:ph idx="1"/>
-          </p:nvPr>
-        </p:nvSpPr>
-        <p:spPr>
-          <a:xfrm>
-            <a:off x="431673" y="1546440"/>
-            <a:ext cx="11646595" cy="5086372"/>
-          </a:xfrm>
-        </p:spPr>
-        <p:txBody>
-          <a:bodyPr>
-            <a:noAutofit/>
-          </a:bodyPr>
-          <a:lstStyle/>
-          <a:p>
-            <a:r>
-              <a:rPr lang="en-US" sz="2000" b="1" dirty="0"/>
-              <a:t>EPIC </a:t>
-            </a:r>
-            <a:r>
-              <a:rPr lang="en-US" sz="2000" b="1" dirty="0" smtClean="0"/>
-              <a:t>: </a:t>
-            </a:r>
-            <a:r>
-              <a:rPr lang="en-US" sz="2000" b="1" dirty="0"/>
-              <a:t>Develop Utility Management Functionality</a:t>
-            </a:r>
-          </a:p>
-          <a:p>
-            <a:pPr marL="0" indent="0">
-              <a:buNone/>
-            </a:pPr>
-            <a:r>
-              <a:rPr lang="en-US" sz="2000" b="1" dirty="0"/>
-              <a:t>User Story 1: </a:t>
-            </a:r>
-            <a:r>
-              <a:rPr lang="en-US" sz="2000" dirty="0"/>
-              <a:t>As a bank employee I want to have access to utilities, so that:</a:t>
-            </a:r>
-          </a:p>
-          <a:p>
-            <a:pPr marL="0" indent="0">
-              <a:buNone/>
-            </a:pPr>
-            <a:r>
-              <a:rPr lang="en-US" sz="2000" dirty="0"/>
-              <a:t>1) I can Issue Cheque Books</a:t>
-            </a:r>
-          </a:p>
-          <a:p>
-            <a:pPr marL="0" indent="0">
-              <a:buNone/>
-            </a:pPr>
-            <a:r>
-              <a:rPr lang="en-US" sz="2000" dirty="0"/>
-              <a:t>2) I can Issue/Block Credit Cards</a:t>
-            </a:r>
-          </a:p>
-          <a:p>
-            <a:pPr marL="0" indent="0">
-              <a:buNone/>
-            </a:pPr>
-            <a:r>
-              <a:rPr lang="en-US" sz="2000" dirty="0"/>
-              <a:t>3) I can Issue/Block Debit </a:t>
-            </a:r>
-            <a:r>
-              <a:rPr lang="en-US" sz="2000" dirty="0" smtClean="0"/>
-              <a:t>Cards</a:t>
-            </a:r>
-          </a:p>
-          <a:p>
-            <a:pPr marL="0" indent="0">
-              <a:buNone/>
-            </a:pPr>
-            <a:endParaRPr lang="en-US" sz="2000" dirty="0"/>
-          </a:p>
-          <a:p>
-            <a:r>
-              <a:rPr lang="en-US" sz="2000" b="1" dirty="0"/>
-              <a:t>EPIC </a:t>
-            </a:r>
-            <a:r>
-              <a:rPr lang="en-US" sz="2000" b="1" dirty="0" smtClean="0"/>
-              <a:t>: </a:t>
-            </a:r>
-            <a:r>
-              <a:rPr lang="en-US" sz="2000" b="1" dirty="0"/>
-              <a:t>Develop Employee Dashboard</a:t>
-            </a:r>
-          </a:p>
-          <a:p>
-            <a:pPr marL="0" indent="0">
-              <a:buNone/>
-            </a:pPr>
-            <a:r>
-              <a:rPr lang="en-US" sz="2000" b="1" dirty="0"/>
-              <a:t>User Story 1: </a:t>
-            </a:r>
-            <a:r>
-              <a:rPr lang="en-US" sz="2000" dirty="0"/>
-              <a:t>As a bank employee i want to be able to access the Account Management, </a:t>
-            </a:r>
-            <a:r>
-              <a:rPr lang="en-US" sz="2000" dirty="0" smtClean="0"/>
-              <a:t>Transaction Management</a:t>
-            </a:r>
-            <a:r>
-              <a:rPr lang="en-US" sz="2000" dirty="0"/>
-              <a:t>, Loan Management, Utility Management, Passbook Management, so that:</a:t>
-            </a:r>
-          </a:p>
-          <a:p>
-            <a:pPr marL="0" indent="0">
-              <a:buNone/>
-            </a:pPr>
-            <a:r>
-              <a:rPr lang="en-US" sz="2000" dirty="0"/>
-              <a:t>1) All functionalities are easily accessible and every activity is logged in an encrypted way</a:t>
-            </a:r>
-          </a:p>
-          <a:p>
-            <a:pPr marL="0" indent="0">
-              <a:buNone/>
-            </a:pPr>
-            <a:r>
-              <a:rPr lang="en-US" sz="2000" dirty="0"/>
-              <a:t>2) Delay is not more than 15 seconds.</a:t>
-            </a:r>
-          </a:p>
-          <a:p>
-            <a:pPr marL="0" indent="0">
-              <a:buNone/>
-            </a:pPr>
-            <a:r>
-              <a:rPr lang="en-US" sz="2000" dirty="0"/>
-              <a:t>3) Login is 2 factor-verified.</a:t>
-            </a:r>
-          </a:p>
-        </p:txBody>
-      </p:sp>
-    </p:spTree>
-    <p:extLst>
-      <p:ext uri="{BB962C8B-B14F-4D97-AF65-F5344CB8AC3E}">
-        <p14:creationId xmlns:p14="http://schemas.microsoft.com/office/powerpoint/2010/main" val="143284455"/>
       </p:ext>
     </p:extLst>
   </p:cSld>
